--- a/Slides/Day_2_3.pptx
+++ b/Slides/Day_2_3.pptx
@@ -6221,7 +6221,7 @@
                 <a:latin typeface="Arial" panose="020B0604020202020204" pitchFamily="34" charset="0"/>
                 <a:cs typeface="Arial" panose="020B0604020202020204" pitchFamily="34" charset="0"/>
               </a:rPr>
-              <a:t> 2-2</a:t>
+              <a:t> 2-3</a:t>
             </a:r>
           </a:p>
           <a:p>
